--- a/Security Patterns for Dataverse Data in Power BI.pptx
+++ b/Security Patterns for Dataverse Data in Power BI.pptx
@@ -124,7 +124,7 @@
 <file path=ppt/revisionInfo.xml><?xml version="1.0" encoding="utf-8"?>
 <p1510:revInfo xmlns:a="http://schemas.openxmlformats.org/drawingml/2006/main" xmlns:r="http://schemas.openxmlformats.org/officeDocument/2006/relationships" xmlns:p1510="http://schemas.microsoft.com/office/powerpoint/2015/10/main">
   <p1510:revLst>
-    <p1510:client id="{5C9C5E06-F61F-460D-B122-66B12AFE4C60}" v="3596" dt="2023-02-13T16:01:34.111"/>
+    <p1510:client id="{5C9C5E06-F61F-460D-B122-66B12AFE4C60}" v="3599" dt="2023-02-13T16:07:04.614"/>
   </p1510:revLst>
 </p1510:revInfo>
 </file>
@@ -134,18 +134,18 @@
   <pc:docChgLst>
     <pc:chgData name="Scott Sewell" userId="de457e2e-e45e-424a-a509-131ccbd0ed4d" providerId="ADAL" clId="{5C9C5E06-F61F-460D-B122-66B12AFE4C60}"/>
     <pc:docChg chg="undo custSel addSld delSld modSld sldOrd">
-      <pc:chgData name="Scott Sewell" userId="de457e2e-e45e-424a-a509-131ccbd0ed4d" providerId="ADAL" clId="{5C9C5E06-F61F-460D-B122-66B12AFE4C60}" dt="2023-02-13T16:01:34.111" v="7658"/>
+      <pc:chgData name="Scott Sewell" userId="de457e2e-e45e-424a-a509-131ccbd0ed4d" providerId="ADAL" clId="{5C9C5E06-F61F-460D-B122-66B12AFE4C60}" dt="2023-02-13T16:07:04.613" v="7666" actId="20577"/>
       <pc:docMkLst>
         <pc:docMk/>
       </pc:docMkLst>
-      <pc:sldChg chg="modSp mod">
-        <pc:chgData name="Scott Sewell" userId="de457e2e-e45e-424a-a509-131ccbd0ed4d" providerId="ADAL" clId="{5C9C5E06-F61F-460D-B122-66B12AFE4C60}" dt="2023-02-09T14:35:59.605" v="2579" actId="27636"/>
+      <pc:sldChg chg="addSp modSp mod">
+        <pc:chgData name="Scott Sewell" userId="de457e2e-e45e-424a-a509-131ccbd0ed4d" providerId="ADAL" clId="{5C9C5E06-F61F-460D-B122-66B12AFE4C60}" dt="2023-02-13T16:06:47.421" v="7665" actId="242"/>
         <pc:sldMkLst>
           <pc:docMk/>
           <pc:sldMk cId="915691061" sldId="256"/>
         </pc:sldMkLst>
         <pc:spChg chg="mod">
-          <ac:chgData name="Scott Sewell" userId="de457e2e-e45e-424a-a509-131ccbd0ed4d" providerId="ADAL" clId="{5C9C5E06-F61F-460D-B122-66B12AFE4C60}" dt="2023-02-09T14:35:59.605" v="2579" actId="27636"/>
+          <ac:chgData name="Scott Sewell" userId="de457e2e-e45e-424a-a509-131ccbd0ed4d" providerId="ADAL" clId="{5C9C5E06-F61F-460D-B122-66B12AFE4C60}" dt="2023-02-13T16:06:47.421" v="7665" actId="242"/>
           <ac:spMkLst>
             <pc:docMk/>
             <pc:sldMk cId="915691061" sldId="256"/>
@@ -153,13 +153,133 @@
           </ac:spMkLst>
         </pc:spChg>
         <pc:spChg chg="mod">
-          <ac:chgData name="Scott Sewell" userId="de457e2e-e45e-424a-a509-131ccbd0ed4d" providerId="ADAL" clId="{5C9C5E06-F61F-460D-B122-66B12AFE4C60}" dt="2023-02-09T14:35:17.240" v="2555" actId="20577"/>
+          <ac:chgData name="Scott Sewell" userId="de457e2e-e45e-424a-a509-131ccbd0ed4d" providerId="ADAL" clId="{5C9C5E06-F61F-460D-B122-66B12AFE4C60}" dt="2023-02-13T16:06:33.454" v="7663" actId="403"/>
           <ac:spMkLst>
             <pc:docMk/>
             <pc:sldMk cId="915691061" sldId="256"/>
             <ac:spMk id="3" creationId="{18CDA85F-13BB-0F02-1B9C-CD7560140907}"/>
           </ac:spMkLst>
         </pc:spChg>
+        <pc:spChg chg="mod">
+          <ac:chgData name="Scott Sewell" userId="de457e2e-e45e-424a-a509-131ccbd0ed4d" providerId="ADAL" clId="{5C9C5E06-F61F-460D-B122-66B12AFE4C60}" dt="2023-02-13T16:06:28.375" v="7660" actId="1076"/>
+          <ac:spMkLst>
+            <pc:docMk/>
+            <pc:sldMk cId="915691061" sldId="256"/>
+            <ac:spMk id="8" creationId="{5890AE22-0E77-6A1D-F27E-F7271490B4E7}"/>
+          </ac:spMkLst>
+        </pc:spChg>
+        <pc:spChg chg="mod">
+          <ac:chgData name="Scott Sewell" userId="de457e2e-e45e-424a-a509-131ccbd0ed4d" providerId="ADAL" clId="{5C9C5E06-F61F-460D-B122-66B12AFE4C60}" dt="2023-02-13T16:06:28.375" v="7660" actId="1076"/>
+          <ac:spMkLst>
+            <pc:docMk/>
+            <pc:sldMk cId="915691061" sldId="256"/>
+            <ac:spMk id="10" creationId="{B0492F9B-1D13-5A61-C180-8740BE8C2817}"/>
+          </ac:spMkLst>
+        </pc:spChg>
+        <pc:spChg chg="mod">
+          <ac:chgData name="Scott Sewell" userId="de457e2e-e45e-424a-a509-131ccbd0ed4d" providerId="ADAL" clId="{5C9C5E06-F61F-460D-B122-66B12AFE4C60}" dt="2023-02-13T16:06:28.375" v="7660" actId="1076"/>
+          <ac:spMkLst>
+            <pc:docMk/>
+            <pc:sldMk cId="915691061" sldId="256"/>
+            <ac:spMk id="11" creationId="{7FC8BF19-546E-D4AC-7F3A-C38BEF7D4A73}"/>
+          </ac:spMkLst>
+        </pc:spChg>
+        <pc:spChg chg="mod">
+          <ac:chgData name="Scott Sewell" userId="de457e2e-e45e-424a-a509-131ccbd0ed4d" providerId="ADAL" clId="{5C9C5E06-F61F-460D-B122-66B12AFE4C60}" dt="2023-02-13T16:06:28.375" v="7660" actId="1076"/>
+          <ac:spMkLst>
+            <pc:docMk/>
+            <pc:sldMk cId="915691061" sldId="256"/>
+            <ac:spMk id="12" creationId="{2FB67433-7B4F-1092-2F54-D6D53B1730A6}"/>
+          </ac:spMkLst>
+        </pc:spChg>
+        <pc:spChg chg="mod">
+          <ac:chgData name="Scott Sewell" userId="de457e2e-e45e-424a-a509-131ccbd0ed4d" providerId="ADAL" clId="{5C9C5E06-F61F-460D-B122-66B12AFE4C60}" dt="2023-02-13T16:06:28.375" v="7660" actId="1076"/>
+          <ac:spMkLst>
+            <pc:docMk/>
+            <pc:sldMk cId="915691061" sldId="256"/>
+            <ac:spMk id="13" creationId="{213246C7-4E89-CEA9-BC13-7774D4221A29}"/>
+          </ac:spMkLst>
+        </pc:spChg>
+        <pc:spChg chg="mod">
+          <ac:chgData name="Scott Sewell" userId="de457e2e-e45e-424a-a509-131ccbd0ed4d" providerId="ADAL" clId="{5C9C5E06-F61F-460D-B122-66B12AFE4C60}" dt="2023-02-13T16:06:28.375" v="7660" actId="1076"/>
+          <ac:spMkLst>
+            <pc:docMk/>
+            <pc:sldMk cId="915691061" sldId="256"/>
+            <ac:spMk id="15" creationId="{44A92E77-5102-32F3-033D-0C53211DE7E3}"/>
+          </ac:spMkLst>
+        </pc:spChg>
+        <pc:spChg chg="mod">
+          <ac:chgData name="Scott Sewell" userId="de457e2e-e45e-424a-a509-131ccbd0ed4d" providerId="ADAL" clId="{5C9C5E06-F61F-460D-B122-66B12AFE4C60}" dt="2023-02-13T16:06:28.375" v="7660" actId="1076"/>
+          <ac:spMkLst>
+            <pc:docMk/>
+            <pc:sldMk cId="915691061" sldId="256"/>
+            <ac:spMk id="16" creationId="{B343ABB9-00EC-81A5-0190-AA938516E6FE}"/>
+          </ac:spMkLst>
+        </pc:spChg>
+        <pc:spChg chg="mod">
+          <ac:chgData name="Scott Sewell" userId="de457e2e-e45e-424a-a509-131ccbd0ed4d" providerId="ADAL" clId="{5C9C5E06-F61F-460D-B122-66B12AFE4C60}" dt="2023-02-13T16:06:28.375" v="7660" actId="1076"/>
+          <ac:spMkLst>
+            <pc:docMk/>
+            <pc:sldMk cId="915691061" sldId="256"/>
+            <ac:spMk id="17" creationId="{56EB3D87-C763-6F38-A387-6B151F29DB3D}"/>
+          </ac:spMkLst>
+        </pc:spChg>
+        <pc:spChg chg="mod">
+          <ac:chgData name="Scott Sewell" userId="de457e2e-e45e-424a-a509-131ccbd0ed4d" providerId="ADAL" clId="{5C9C5E06-F61F-460D-B122-66B12AFE4C60}" dt="2023-02-13T16:06:28.375" v="7660" actId="1076"/>
+          <ac:spMkLst>
+            <pc:docMk/>
+            <pc:sldMk cId="915691061" sldId="256"/>
+            <ac:spMk id="18" creationId="{DE685767-54A5-3DD1-7777-C58DAE64CAB5}"/>
+          </ac:spMkLst>
+        </pc:spChg>
+        <pc:spChg chg="mod">
+          <ac:chgData name="Scott Sewell" userId="de457e2e-e45e-424a-a509-131ccbd0ed4d" providerId="ADAL" clId="{5C9C5E06-F61F-460D-B122-66B12AFE4C60}" dt="2023-02-13T16:06:28.375" v="7660" actId="1076"/>
+          <ac:spMkLst>
+            <pc:docMk/>
+            <pc:sldMk cId="915691061" sldId="256"/>
+            <ac:spMk id="19" creationId="{B6745BE9-EFE9-32C5-1ACE-6BB1D59F18F0}"/>
+          </ac:spMkLst>
+        </pc:spChg>
+        <pc:spChg chg="mod">
+          <ac:chgData name="Scott Sewell" userId="de457e2e-e45e-424a-a509-131ccbd0ed4d" providerId="ADAL" clId="{5C9C5E06-F61F-460D-B122-66B12AFE4C60}" dt="2023-02-13T16:06:28.375" v="7660" actId="1076"/>
+          <ac:spMkLst>
+            <pc:docMk/>
+            <pc:sldMk cId="915691061" sldId="256"/>
+            <ac:spMk id="20" creationId="{5B02383C-940A-69CD-B06A-48490E79E792}"/>
+          </ac:spMkLst>
+        </pc:spChg>
+        <pc:grpChg chg="add mod">
+          <ac:chgData name="Scott Sewell" userId="de457e2e-e45e-424a-a509-131ccbd0ed4d" providerId="ADAL" clId="{5C9C5E06-F61F-460D-B122-66B12AFE4C60}" dt="2023-02-13T16:06:28.375" v="7660" actId="1076"/>
+          <ac:grpSpMkLst>
+            <pc:docMk/>
+            <pc:sldMk cId="915691061" sldId="256"/>
+            <ac:grpSpMk id="7" creationId="{0DCD8C41-CBFE-EF1F-1D00-5A1CF89096EE}"/>
+          </ac:grpSpMkLst>
+        </pc:grpChg>
+        <pc:grpChg chg="add mod">
+          <ac:chgData name="Scott Sewell" userId="de457e2e-e45e-424a-a509-131ccbd0ed4d" providerId="ADAL" clId="{5C9C5E06-F61F-460D-B122-66B12AFE4C60}" dt="2023-02-13T16:06:28.375" v="7660" actId="1076"/>
+          <ac:grpSpMkLst>
+            <pc:docMk/>
+            <pc:sldMk cId="915691061" sldId="256"/>
+            <ac:grpSpMk id="14" creationId="{367A0A7C-6AD0-9CDE-FE01-68039C50204A}"/>
+          </ac:grpSpMkLst>
+        </pc:grpChg>
+        <pc:picChg chg="add mod">
+          <ac:chgData name="Scott Sewell" userId="de457e2e-e45e-424a-a509-131ccbd0ed4d" providerId="ADAL" clId="{5C9C5E06-F61F-460D-B122-66B12AFE4C60}" dt="2023-02-13T16:06:14.946" v="7659"/>
+          <ac:picMkLst>
+            <pc:docMk/>
+            <pc:sldMk cId="915691061" sldId="256"/>
+            <ac:picMk id="4" creationId="{6B8C2D5B-FAE8-56D5-B3B6-426C0FF4174F}"/>
+          </ac:picMkLst>
+        </pc:picChg>
+        <pc:picChg chg="add mod">
+          <ac:chgData name="Scott Sewell" userId="de457e2e-e45e-424a-a509-131ccbd0ed4d" providerId="ADAL" clId="{5C9C5E06-F61F-460D-B122-66B12AFE4C60}" dt="2023-02-13T16:06:28.375" v="7660" actId="1076"/>
+          <ac:picMkLst>
+            <pc:docMk/>
+            <pc:sldMk cId="915691061" sldId="256"/>
+            <ac:picMk id="6" creationId="{8B044178-33C9-39C3-AC73-4F08C1DFE9B6}"/>
+          </ac:picMkLst>
+        </pc:picChg>
       </pc:sldChg>
       <pc:sldChg chg="modSp mod modAnim">
         <pc:chgData name="Scott Sewell" userId="de457e2e-e45e-424a-a509-131ccbd0ed4d" providerId="ADAL" clId="{5C9C5E06-F61F-460D-B122-66B12AFE4C60}" dt="2023-02-13T16:01:34.111" v="7658"/>
@@ -185,13 +305,13 @@
         </pc:spChg>
       </pc:sldChg>
       <pc:sldChg chg="delSp modSp mod setBg modAnim">
-        <pc:chgData name="Scott Sewell" userId="de457e2e-e45e-424a-a509-131ccbd0ed4d" providerId="ADAL" clId="{5C9C5E06-F61F-460D-B122-66B12AFE4C60}" dt="2023-02-13T16:01:19.240" v="7657"/>
+        <pc:chgData name="Scott Sewell" userId="de457e2e-e45e-424a-a509-131ccbd0ed4d" providerId="ADAL" clId="{5C9C5E06-F61F-460D-B122-66B12AFE4C60}" dt="2023-02-13T16:07:04.613" v="7666" actId="20577"/>
         <pc:sldMkLst>
           <pc:docMk/>
           <pc:sldMk cId="3638873719" sldId="258"/>
         </pc:sldMkLst>
         <pc:spChg chg="mod">
-          <ac:chgData name="Scott Sewell" userId="de457e2e-e45e-424a-a509-131ccbd0ed4d" providerId="ADAL" clId="{5C9C5E06-F61F-460D-B122-66B12AFE4C60}" dt="2023-02-09T14:16:03.663" v="2437" actId="20577"/>
+          <ac:chgData name="Scott Sewell" userId="de457e2e-e45e-424a-a509-131ccbd0ed4d" providerId="ADAL" clId="{5C9C5E06-F61F-460D-B122-66B12AFE4C60}" dt="2023-02-13T16:07:04.613" v="7666" actId="20577"/>
           <ac:spMkLst>
             <pc:docMk/>
             <pc:sldMk cId="3638873719" sldId="258"/>
@@ -14057,12 +14177,12 @@
         </p:nvSpPr>
         <p:spPr>
           <a:xfrm>
-            <a:off x="7464614" y="1783959"/>
-            <a:ext cx="4474590" cy="2889114"/>
+            <a:off x="7464614" y="959244"/>
+            <a:ext cx="4474590" cy="3713829"/>
           </a:xfrm>
         </p:spPr>
         <p:txBody>
-          <a:bodyPr anchor="b">
+          <a:bodyPr anchor="ctr">
             <a:normAutofit/>
           </a:bodyPr>
           <a:lstStyle/>
@@ -14119,7 +14239,7 @@
           <a:p>
             <a:pPr algn="l"/>
             <a:r>
-              <a:rPr lang="en-US" sz="2000" dirty="0"/>
+              <a:rPr lang="en-US" sz="2800" b="1" dirty="0"/>
               <a:t>Scott Sewell </a:t>
             </a:r>
             <a:br>
@@ -14340,6 +14460,1382 @@
           </a:custGeom>
         </p:spPr>
       </p:pic>
+      <p:pic>
+        <p:nvPicPr>
+          <p:cNvPr id="4" name="Picture 3">
+            <a:extLst>
+              <a:ext uri="{FF2B5EF4-FFF2-40B4-BE49-F238E27FC236}">
+                <a16:creationId xmlns:a16="http://schemas.microsoft.com/office/drawing/2014/main" id="{6B8C2D5B-FAE8-56D5-B3B6-426C0FF4174F}"/>
+              </a:ext>
+            </a:extLst>
+          </p:cNvPr>
+          <p:cNvPicPr>
+            <a:picLocks noChangeAspect="1"/>
+          </p:cNvPicPr>
+          <p:nvPr/>
+        </p:nvPicPr>
+        <p:blipFill>
+          <a:blip r:embed="rId3"/>
+          <a:srcRect/>
+          <a:stretch/>
+        </p:blipFill>
+        <p:spPr>
+          <a:xfrm>
+            <a:off x="0" y="2834122"/>
+            <a:ext cx="4022544" cy="4022544"/>
+          </a:xfrm>
+          <a:prstGeom prst="rect">
+            <a:avLst/>
+          </a:prstGeom>
+        </p:spPr>
+      </p:pic>
+      <p:pic>
+        <p:nvPicPr>
+          <p:cNvPr id="6" name="Picture 2" descr="Heart Shape">
+            <a:extLst>
+              <a:ext uri="{FF2B5EF4-FFF2-40B4-BE49-F238E27FC236}">
+                <a16:creationId xmlns:a16="http://schemas.microsoft.com/office/drawing/2014/main" id="{8B044178-33C9-39C3-AC73-4F08C1DFE9B6}"/>
+              </a:ext>
+              <a:ext uri="{C183D7F6-B498-43B3-948B-1728B52AA6E4}">
+                <adec:decorative xmlns:adec="http://schemas.microsoft.com/office/drawing/2017/decorative" val="0"/>
+              </a:ext>
+            </a:extLst>
+          </p:cNvPr>
+          <p:cNvPicPr>
+            <a:picLocks noChangeAspect="1" noChangeArrowheads="1"/>
+          </p:cNvPicPr>
+          <p:nvPr/>
+        </p:nvPicPr>
+        <p:blipFill>
+          <a:blip r:embed="rId4">
+            <a:extLst>
+              <a:ext uri="{28A0092B-C50C-407E-A947-70E740481C1C}">
+                <a14:useLocalDpi xmlns:a14="http://schemas.microsoft.com/office/drawing/2010/main" val="0"/>
+              </a:ext>
+            </a:extLst>
+          </a:blip>
+          <a:srcRect/>
+          <a:stretch>
+            <a:fillRect/>
+          </a:stretch>
+        </p:blipFill>
+        <p:spPr bwMode="auto">
+          <a:xfrm>
+            <a:off x="8337556" y="5908520"/>
+            <a:ext cx="760372" cy="706908"/>
+          </a:xfrm>
+          <a:prstGeom prst="rect">
+            <a:avLst/>
+          </a:prstGeom>
+          <a:noFill/>
+          <a:effectLst>
+            <a:outerShdw blurRad="228600" dist="152400" dir="2700000" sx="96000" sy="96000" algn="tl" rotWithShape="0">
+              <a:prstClr val="black">
+                <a:alpha val="91000"/>
+              </a:prstClr>
+            </a:outerShdw>
+          </a:effectLst>
+          <a:extLst>
+            <a:ext uri="{909E8E84-426E-40DD-AFC4-6F175D3DCCD1}">
+              <a14:hiddenFill xmlns:a14="http://schemas.microsoft.com/office/drawing/2010/main">
+                <a:solidFill>
+                  <a:srgbClr val="FFFFFF"/>
+                </a:solidFill>
+              </a14:hiddenFill>
+            </a:ext>
+          </a:extLst>
+        </p:spPr>
+      </p:pic>
+      <p:grpSp>
+        <p:nvGrpSpPr>
+          <p:cNvPr id="7" name="Graphic 8" descr="Power BI Logo">
+            <a:extLst>
+              <a:ext uri="{FF2B5EF4-FFF2-40B4-BE49-F238E27FC236}">
+                <a16:creationId xmlns:a16="http://schemas.microsoft.com/office/drawing/2014/main" id="{0DCD8C41-CBFE-EF1F-1D00-5A1CF89096EE}"/>
+              </a:ext>
+            </a:extLst>
+          </p:cNvPr>
+          <p:cNvGrpSpPr/>
+          <p:nvPr/>
+        </p:nvGrpSpPr>
+        <p:grpSpPr>
+          <a:xfrm>
+            <a:off x="7548719" y="5889350"/>
+            <a:ext cx="530182" cy="721636"/>
+            <a:chOff x="1908738" y="1553244"/>
+            <a:chExt cx="675000" cy="918750"/>
+          </a:xfrm>
+          <a:effectLst>
+            <a:outerShdw blurRad="228600" dist="152400" dir="2700000" sx="96000" sy="96000" algn="tl" rotWithShape="0">
+              <a:prstClr val="black">
+                <a:alpha val="91000"/>
+              </a:prstClr>
+            </a:outerShdw>
+          </a:effectLst>
+        </p:grpSpPr>
+        <p:sp>
+          <p:nvSpPr>
+            <p:cNvPr id="8" name="Freeform: Shape 7">
+              <a:extLst>
+                <a:ext uri="{FF2B5EF4-FFF2-40B4-BE49-F238E27FC236}">
+                  <a16:creationId xmlns:a16="http://schemas.microsoft.com/office/drawing/2014/main" id="{5890AE22-0E77-6A1D-F27E-F7271490B4E7}"/>
+                </a:ext>
+              </a:extLst>
+            </p:cNvPr>
+            <p:cNvSpPr/>
+            <p:nvPr/>
+          </p:nvSpPr>
+          <p:spPr>
+            <a:xfrm>
+              <a:off x="2283738" y="1553244"/>
+              <a:ext cx="300000" cy="900000"/>
+            </a:xfrm>
+            <a:custGeom>
+              <a:avLst/>
+              <a:gdLst>
+                <a:gd name="connsiteX0" fmla="*/ 300000 w 300000"/>
+                <a:gd name="connsiteY0" fmla="*/ 0 h 900000"/>
+                <a:gd name="connsiteX1" fmla="*/ 300000 w 300000"/>
+                <a:gd name="connsiteY1" fmla="*/ 900000 h 900000"/>
+                <a:gd name="connsiteX2" fmla="*/ 0 w 300000"/>
+                <a:gd name="connsiteY2" fmla="*/ 900000 h 900000"/>
+                <a:gd name="connsiteX3" fmla="*/ 0 w 300000"/>
+                <a:gd name="connsiteY3" fmla="*/ 0 h 900000"/>
+                <a:gd name="connsiteX4" fmla="*/ 300000 w 300000"/>
+                <a:gd name="connsiteY4" fmla="*/ 0 h 900000"/>
+              </a:gdLst>
+              <a:ahLst/>
+              <a:cxnLst>
+                <a:cxn ang="0">
+                  <a:pos x="connsiteX0" y="connsiteY0"/>
+                </a:cxn>
+                <a:cxn ang="0">
+                  <a:pos x="connsiteX1" y="connsiteY1"/>
+                </a:cxn>
+                <a:cxn ang="0">
+                  <a:pos x="connsiteX2" y="connsiteY2"/>
+                </a:cxn>
+                <a:cxn ang="0">
+                  <a:pos x="connsiteX3" y="connsiteY3"/>
+                </a:cxn>
+                <a:cxn ang="0">
+                  <a:pos x="connsiteX4" y="connsiteY4"/>
+                </a:cxn>
+              </a:cxnLst>
+              <a:rect l="l" t="t" r="r" b="b"/>
+              <a:pathLst>
+                <a:path w="300000" h="900000">
+                  <a:moveTo>
+                    <a:pt x="300000" y="0"/>
+                  </a:moveTo>
+                  <a:lnTo>
+                    <a:pt x="300000" y="900000"/>
+                  </a:lnTo>
+                  <a:lnTo>
+                    <a:pt x="0" y="900000"/>
+                  </a:lnTo>
+                  <a:lnTo>
+                    <a:pt x="0" y="0"/>
+                  </a:lnTo>
+                  <a:lnTo>
+                    <a:pt x="300000" y="0"/>
+                  </a:lnTo>
+                  <a:close/>
+                </a:path>
+              </a:pathLst>
+            </a:custGeom>
+            <a:solidFill>
+              <a:srgbClr val="E6AD10"/>
+            </a:solidFill>
+            <a:ln w="9327" cap="flat">
+              <a:noFill/>
+              <a:prstDash val="solid"/>
+              <a:miter/>
+            </a:ln>
+          </p:spPr>
+          <p:txBody>
+            <a:bodyPr rtlCol="0" anchor="ctr"/>
+            <a:lstStyle/>
+            <a:p>
+              <a:pPr defTabSz="914367"/>
+              <a:endParaRPr lang="en-US" sz="1765">
+                <a:solidFill>
+                  <a:prstClr val="black"/>
+                </a:solidFill>
+                <a:latin typeface="Calibri" panose="020F0502020204030204"/>
+              </a:endParaRPr>
+            </a:p>
+          </p:txBody>
+        </p:sp>
+        <p:sp>
+          <p:nvSpPr>
+            <p:cNvPr id="10" name="Freeform: Shape 9">
+              <a:extLst>
+                <a:ext uri="{FF2B5EF4-FFF2-40B4-BE49-F238E27FC236}">
+                  <a16:creationId xmlns:a16="http://schemas.microsoft.com/office/drawing/2014/main" id="{B0492F9B-1D13-5A61-C180-8740BE8C2817}"/>
+                </a:ext>
+              </a:extLst>
+            </p:cNvPr>
+            <p:cNvSpPr/>
+            <p:nvPr/>
+          </p:nvSpPr>
+          <p:spPr>
+            <a:xfrm>
+              <a:off x="2096238" y="1781993"/>
+              <a:ext cx="300000" cy="675000"/>
+            </a:xfrm>
+            <a:custGeom>
+              <a:avLst/>
+              <a:gdLst>
+                <a:gd name="connsiteX0" fmla="*/ 300000 w 300000"/>
+                <a:gd name="connsiteY0" fmla="*/ 37500 h 675000"/>
+                <a:gd name="connsiteX1" fmla="*/ 300000 w 300000"/>
+                <a:gd name="connsiteY1" fmla="*/ 675000 h 675000"/>
+                <a:gd name="connsiteX2" fmla="*/ 0 w 300000"/>
+                <a:gd name="connsiteY2" fmla="*/ 675000 h 675000"/>
+                <a:gd name="connsiteX3" fmla="*/ 0 w 300000"/>
+                <a:gd name="connsiteY3" fmla="*/ 0 h 675000"/>
+                <a:gd name="connsiteX4" fmla="*/ 262500 w 300000"/>
+                <a:gd name="connsiteY4" fmla="*/ 0 h 675000"/>
+                <a:gd name="connsiteX5" fmla="*/ 300000 w 300000"/>
+                <a:gd name="connsiteY5" fmla="*/ 37500 h 675000"/>
+              </a:gdLst>
+              <a:ahLst/>
+              <a:cxnLst>
+                <a:cxn ang="0">
+                  <a:pos x="connsiteX0" y="connsiteY0"/>
+                </a:cxn>
+                <a:cxn ang="0">
+                  <a:pos x="connsiteX1" y="connsiteY1"/>
+                </a:cxn>
+                <a:cxn ang="0">
+                  <a:pos x="connsiteX2" y="connsiteY2"/>
+                </a:cxn>
+                <a:cxn ang="0">
+                  <a:pos x="connsiteX3" y="connsiteY3"/>
+                </a:cxn>
+                <a:cxn ang="0">
+                  <a:pos x="connsiteX4" y="connsiteY4"/>
+                </a:cxn>
+                <a:cxn ang="0">
+                  <a:pos x="connsiteX5" y="connsiteY5"/>
+                </a:cxn>
+              </a:cxnLst>
+              <a:rect l="l" t="t" r="r" b="b"/>
+              <a:pathLst>
+                <a:path w="300000" h="675000">
+                  <a:moveTo>
+                    <a:pt x="300000" y="37500"/>
+                  </a:moveTo>
+                  <a:lnTo>
+                    <a:pt x="300000" y="675000"/>
+                  </a:lnTo>
+                  <a:lnTo>
+                    <a:pt x="0" y="675000"/>
+                  </a:lnTo>
+                  <a:lnTo>
+                    <a:pt x="0" y="0"/>
+                  </a:lnTo>
+                  <a:lnTo>
+                    <a:pt x="262500" y="0"/>
+                  </a:lnTo>
+                  <a:cubicBezTo>
+                    <a:pt x="283210" y="0"/>
+                    <a:pt x="300000" y="16790"/>
+                    <a:pt x="300000" y="37500"/>
+                  </a:cubicBezTo>
+                  <a:close/>
+                </a:path>
+              </a:pathLst>
+            </a:custGeom>
+            <a:solidFill>
+              <a:srgbClr val="000000">
+                <a:alpha val="20000"/>
+              </a:srgbClr>
+            </a:solidFill>
+            <a:ln w="9327" cap="flat">
+              <a:noFill/>
+              <a:prstDash val="solid"/>
+              <a:miter/>
+            </a:ln>
+          </p:spPr>
+          <p:txBody>
+            <a:bodyPr rtlCol="0" anchor="ctr"/>
+            <a:lstStyle/>
+            <a:p>
+              <a:pPr defTabSz="914367"/>
+              <a:endParaRPr lang="en-US" sz="1765">
+                <a:solidFill>
+                  <a:prstClr val="black"/>
+                </a:solidFill>
+                <a:latin typeface="Calibri" panose="020F0502020204030204"/>
+              </a:endParaRPr>
+            </a:p>
+          </p:txBody>
+        </p:sp>
+        <p:sp>
+          <p:nvSpPr>
+            <p:cNvPr id="11" name="Freeform: Shape 10">
+              <a:extLst>
+                <a:ext uri="{FF2B5EF4-FFF2-40B4-BE49-F238E27FC236}">
+                  <a16:creationId xmlns:a16="http://schemas.microsoft.com/office/drawing/2014/main" id="{7FC8BF19-546E-D4AC-7F3A-C38BEF7D4A73}"/>
+                </a:ext>
+              </a:extLst>
+            </p:cNvPr>
+            <p:cNvSpPr/>
+            <p:nvPr/>
+          </p:nvSpPr>
+          <p:spPr>
+            <a:xfrm>
+              <a:off x="2096238" y="1796994"/>
+              <a:ext cx="300000" cy="675000"/>
+            </a:xfrm>
+            <a:custGeom>
+              <a:avLst/>
+              <a:gdLst>
+                <a:gd name="connsiteX0" fmla="*/ 300000 w 300000"/>
+                <a:gd name="connsiteY0" fmla="*/ 37500 h 675000"/>
+                <a:gd name="connsiteX1" fmla="*/ 300000 w 300000"/>
+                <a:gd name="connsiteY1" fmla="*/ 675000 h 675000"/>
+                <a:gd name="connsiteX2" fmla="*/ 0 w 300000"/>
+                <a:gd name="connsiteY2" fmla="*/ 675000 h 675000"/>
+                <a:gd name="connsiteX3" fmla="*/ 0 w 300000"/>
+                <a:gd name="connsiteY3" fmla="*/ 0 h 675000"/>
+                <a:gd name="connsiteX4" fmla="*/ 262500 w 300000"/>
+                <a:gd name="connsiteY4" fmla="*/ 0 h 675000"/>
+                <a:gd name="connsiteX5" fmla="*/ 300000 w 300000"/>
+                <a:gd name="connsiteY5" fmla="*/ 37500 h 675000"/>
+              </a:gdLst>
+              <a:ahLst/>
+              <a:cxnLst>
+                <a:cxn ang="0">
+                  <a:pos x="connsiteX0" y="connsiteY0"/>
+                </a:cxn>
+                <a:cxn ang="0">
+                  <a:pos x="connsiteX1" y="connsiteY1"/>
+                </a:cxn>
+                <a:cxn ang="0">
+                  <a:pos x="connsiteX2" y="connsiteY2"/>
+                </a:cxn>
+                <a:cxn ang="0">
+                  <a:pos x="connsiteX3" y="connsiteY3"/>
+                </a:cxn>
+                <a:cxn ang="0">
+                  <a:pos x="connsiteX4" y="connsiteY4"/>
+                </a:cxn>
+                <a:cxn ang="0">
+                  <a:pos x="connsiteX5" y="connsiteY5"/>
+                </a:cxn>
+              </a:cxnLst>
+              <a:rect l="l" t="t" r="r" b="b"/>
+              <a:pathLst>
+                <a:path w="300000" h="675000">
+                  <a:moveTo>
+                    <a:pt x="300000" y="37500"/>
+                  </a:moveTo>
+                  <a:lnTo>
+                    <a:pt x="300000" y="675000"/>
+                  </a:lnTo>
+                  <a:lnTo>
+                    <a:pt x="0" y="675000"/>
+                  </a:lnTo>
+                  <a:lnTo>
+                    <a:pt x="0" y="0"/>
+                  </a:lnTo>
+                  <a:lnTo>
+                    <a:pt x="262500" y="0"/>
+                  </a:lnTo>
+                  <a:cubicBezTo>
+                    <a:pt x="283210" y="0"/>
+                    <a:pt x="300000" y="16790"/>
+                    <a:pt x="300000" y="37500"/>
+                  </a:cubicBezTo>
+                  <a:close/>
+                </a:path>
+              </a:pathLst>
+            </a:custGeom>
+            <a:solidFill>
+              <a:srgbClr val="000000">
+                <a:alpha val="18000"/>
+              </a:srgbClr>
+            </a:solidFill>
+            <a:ln w="9327" cap="flat">
+              <a:noFill/>
+              <a:prstDash val="solid"/>
+              <a:miter/>
+            </a:ln>
+          </p:spPr>
+          <p:txBody>
+            <a:bodyPr rtlCol="0" anchor="ctr"/>
+            <a:lstStyle/>
+            <a:p>
+              <a:pPr defTabSz="914367"/>
+              <a:endParaRPr lang="en-US" sz="1765">
+                <a:solidFill>
+                  <a:prstClr val="black"/>
+                </a:solidFill>
+                <a:latin typeface="Calibri" panose="020F0502020204030204"/>
+              </a:endParaRPr>
+            </a:p>
+          </p:txBody>
+        </p:sp>
+        <p:sp>
+          <p:nvSpPr>
+            <p:cNvPr id="12" name="Freeform: Shape 11">
+              <a:extLst>
+                <a:ext uri="{FF2B5EF4-FFF2-40B4-BE49-F238E27FC236}">
+                  <a16:creationId xmlns:a16="http://schemas.microsoft.com/office/drawing/2014/main" id="{2FB67433-7B4F-1092-2F54-D6D53B1730A6}"/>
+                </a:ext>
+              </a:extLst>
+            </p:cNvPr>
+            <p:cNvSpPr/>
+            <p:nvPr/>
+          </p:nvSpPr>
+          <p:spPr>
+            <a:xfrm>
+              <a:off x="2096238" y="1778244"/>
+              <a:ext cx="300000" cy="675000"/>
+            </a:xfrm>
+            <a:custGeom>
+              <a:avLst/>
+              <a:gdLst>
+                <a:gd name="connsiteX0" fmla="*/ 300000 w 300000"/>
+                <a:gd name="connsiteY0" fmla="*/ 37500 h 675000"/>
+                <a:gd name="connsiteX1" fmla="*/ 300000 w 300000"/>
+                <a:gd name="connsiteY1" fmla="*/ 675000 h 675000"/>
+                <a:gd name="connsiteX2" fmla="*/ 0 w 300000"/>
+                <a:gd name="connsiteY2" fmla="*/ 675000 h 675000"/>
+                <a:gd name="connsiteX3" fmla="*/ 0 w 300000"/>
+                <a:gd name="connsiteY3" fmla="*/ 0 h 675000"/>
+                <a:gd name="connsiteX4" fmla="*/ 262500 w 300000"/>
+                <a:gd name="connsiteY4" fmla="*/ 0 h 675000"/>
+                <a:gd name="connsiteX5" fmla="*/ 300000 w 300000"/>
+                <a:gd name="connsiteY5" fmla="*/ 37500 h 675000"/>
+              </a:gdLst>
+              <a:ahLst/>
+              <a:cxnLst>
+                <a:cxn ang="0">
+                  <a:pos x="connsiteX0" y="connsiteY0"/>
+                </a:cxn>
+                <a:cxn ang="0">
+                  <a:pos x="connsiteX1" y="connsiteY1"/>
+                </a:cxn>
+                <a:cxn ang="0">
+                  <a:pos x="connsiteX2" y="connsiteY2"/>
+                </a:cxn>
+                <a:cxn ang="0">
+                  <a:pos x="connsiteX3" y="connsiteY3"/>
+                </a:cxn>
+                <a:cxn ang="0">
+                  <a:pos x="connsiteX4" y="connsiteY4"/>
+                </a:cxn>
+                <a:cxn ang="0">
+                  <a:pos x="connsiteX5" y="connsiteY5"/>
+                </a:cxn>
+              </a:cxnLst>
+              <a:rect l="l" t="t" r="r" b="b"/>
+              <a:pathLst>
+                <a:path w="300000" h="675000">
+                  <a:moveTo>
+                    <a:pt x="300000" y="37500"/>
+                  </a:moveTo>
+                  <a:lnTo>
+                    <a:pt x="300000" y="675000"/>
+                  </a:lnTo>
+                  <a:lnTo>
+                    <a:pt x="0" y="675000"/>
+                  </a:lnTo>
+                  <a:lnTo>
+                    <a:pt x="0" y="0"/>
+                  </a:lnTo>
+                  <a:lnTo>
+                    <a:pt x="262500" y="0"/>
+                  </a:lnTo>
+                  <a:cubicBezTo>
+                    <a:pt x="283210" y="0"/>
+                    <a:pt x="300000" y="16790"/>
+                    <a:pt x="300000" y="37500"/>
+                  </a:cubicBezTo>
+                  <a:close/>
+                </a:path>
+              </a:pathLst>
+            </a:custGeom>
+            <a:solidFill>
+              <a:srgbClr val="F6D751"/>
+            </a:solidFill>
+            <a:ln w="9327" cap="flat">
+              <a:noFill/>
+              <a:prstDash val="solid"/>
+              <a:miter/>
+            </a:ln>
+          </p:spPr>
+          <p:txBody>
+            <a:bodyPr rtlCol="0" anchor="ctr"/>
+            <a:lstStyle/>
+            <a:p>
+              <a:pPr defTabSz="914367"/>
+              <a:endParaRPr lang="en-US" sz="1765">
+                <a:solidFill>
+                  <a:prstClr val="black"/>
+                </a:solidFill>
+                <a:latin typeface="Calibri" panose="020F0502020204030204"/>
+              </a:endParaRPr>
+            </a:p>
+          </p:txBody>
+        </p:sp>
+        <p:sp>
+          <p:nvSpPr>
+            <p:cNvPr id="13" name="Freeform: Shape 12">
+              <a:extLst>
+                <a:ext uri="{FF2B5EF4-FFF2-40B4-BE49-F238E27FC236}">
+                  <a16:creationId xmlns:a16="http://schemas.microsoft.com/office/drawing/2014/main" id="{213246C7-4E89-CEA9-BC13-7774D4221A29}"/>
+                </a:ext>
+              </a:extLst>
+            </p:cNvPr>
+            <p:cNvSpPr/>
+            <p:nvPr/>
+          </p:nvSpPr>
+          <p:spPr>
+            <a:xfrm>
+              <a:off x="1908738" y="2003244"/>
+              <a:ext cx="300000" cy="450000"/>
+            </a:xfrm>
+            <a:custGeom>
+              <a:avLst/>
+              <a:gdLst>
+                <a:gd name="connsiteX0" fmla="*/ 0 w 300000"/>
+                <a:gd name="connsiteY0" fmla="*/ 0 h 450000"/>
+                <a:gd name="connsiteX1" fmla="*/ 0 w 300000"/>
+                <a:gd name="connsiteY1" fmla="*/ 450000 h 450000"/>
+                <a:gd name="connsiteX2" fmla="*/ 300000 w 300000"/>
+                <a:gd name="connsiteY2" fmla="*/ 450000 h 450000"/>
+                <a:gd name="connsiteX3" fmla="*/ 300000 w 300000"/>
+                <a:gd name="connsiteY3" fmla="*/ 37500 h 450000"/>
+                <a:gd name="connsiteX4" fmla="*/ 262500 w 300000"/>
+                <a:gd name="connsiteY4" fmla="*/ 0 h 450000"/>
+                <a:gd name="connsiteX5" fmla="*/ 0 w 300000"/>
+                <a:gd name="connsiteY5" fmla="*/ 0 h 450000"/>
+              </a:gdLst>
+              <a:ahLst/>
+              <a:cxnLst>
+                <a:cxn ang="0">
+                  <a:pos x="connsiteX0" y="connsiteY0"/>
+                </a:cxn>
+                <a:cxn ang="0">
+                  <a:pos x="connsiteX1" y="connsiteY1"/>
+                </a:cxn>
+                <a:cxn ang="0">
+                  <a:pos x="connsiteX2" y="connsiteY2"/>
+                </a:cxn>
+                <a:cxn ang="0">
+                  <a:pos x="connsiteX3" y="connsiteY3"/>
+                </a:cxn>
+                <a:cxn ang="0">
+                  <a:pos x="connsiteX4" y="connsiteY4"/>
+                </a:cxn>
+                <a:cxn ang="0">
+                  <a:pos x="connsiteX5" y="connsiteY5"/>
+                </a:cxn>
+              </a:cxnLst>
+              <a:rect l="l" t="t" r="r" b="b"/>
+              <a:pathLst>
+                <a:path w="300000" h="450000">
+                  <a:moveTo>
+                    <a:pt x="0" y="0"/>
+                  </a:moveTo>
+                  <a:lnTo>
+                    <a:pt x="0" y="450000"/>
+                  </a:lnTo>
+                  <a:lnTo>
+                    <a:pt x="300000" y="450000"/>
+                  </a:lnTo>
+                  <a:lnTo>
+                    <a:pt x="300000" y="37500"/>
+                  </a:lnTo>
+                  <a:cubicBezTo>
+                    <a:pt x="300000" y="16790"/>
+                    <a:pt x="283210" y="0"/>
+                    <a:pt x="262500" y="0"/>
+                  </a:cubicBezTo>
+                  <a:lnTo>
+                    <a:pt x="0" y="0"/>
+                  </a:lnTo>
+                  <a:close/>
+                </a:path>
+              </a:pathLst>
+            </a:custGeom>
+            <a:solidFill>
+              <a:srgbClr val="F9E589"/>
+            </a:solidFill>
+            <a:ln w="9327" cap="flat">
+              <a:noFill/>
+              <a:prstDash val="solid"/>
+              <a:miter/>
+            </a:ln>
+          </p:spPr>
+          <p:txBody>
+            <a:bodyPr rtlCol="0" anchor="ctr"/>
+            <a:lstStyle/>
+            <a:p>
+              <a:pPr defTabSz="914367"/>
+              <a:endParaRPr lang="en-US" sz="1765">
+                <a:solidFill>
+                  <a:prstClr val="black"/>
+                </a:solidFill>
+                <a:latin typeface="Calibri" panose="020F0502020204030204"/>
+              </a:endParaRPr>
+            </a:p>
+          </p:txBody>
+        </p:sp>
+      </p:grpSp>
+      <p:grpSp>
+        <p:nvGrpSpPr>
+          <p:cNvPr id="14" name="Graphic 5" descr="Dataverse Logo">
+            <a:extLst>
+              <a:ext uri="{FF2B5EF4-FFF2-40B4-BE49-F238E27FC236}">
+                <a16:creationId xmlns:a16="http://schemas.microsoft.com/office/drawing/2014/main" id="{367A0A7C-6AD0-9CDE-FE01-68039C50204A}"/>
+              </a:ext>
+            </a:extLst>
+          </p:cNvPr>
+          <p:cNvGrpSpPr/>
+          <p:nvPr/>
+        </p:nvGrpSpPr>
+        <p:grpSpPr>
+          <a:xfrm>
+            <a:off x="9189753" y="5898756"/>
+            <a:ext cx="840542" cy="674707"/>
+            <a:chOff x="6550580" y="1578143"/>
+            <a:chExt cx="900375" cy="690384"/>
+          </a:xfrm>
+          <a:effectLst>
+            <a:outerShdw blurRad="228600" dist="152400" dir="2700000" sx="96000" sy="96000" algn="tl" rotWithShape="0">
+              <a:prstClr val="black">
+                <a:alpha val="91000"/>
+              </a:prstClr>
+            </a:outerShdw>
+          </a:effectLst>
+        </p:grpSpPr>
+        <p:sp>
+          <p:nvSpPr>
+            <p:cNvPr id="15" name="Freeform: Shape 14">
+              <a:extLst>
+                <a:ext uri="{FF2B5EF4-FFF2-40B4-BE49-F238E27FC236}">
+                  <a16:creationId xmlns:a16="http://schemas.microsoft.com/office/drawing/2014/main" id="{44A92E77-5102-32F3-033D-0C53211DE7E3}"/>
+                </a:ext>
+              </a:extLst>
+            </p:cNvPr>
+            <p:cNvSpPr/>
+            <p:nvPr/>
+          </p:nvSpPr>
+          <p:spPr>
+            <a:xfrm>
+              <a:off x="6550580" y="1578143"/>
+              <a:ext cx="698627" cy="681465"/>
+            </a:xfrm>
+            <a:custGeom>
+              <a:avLst/>
+              <a:gdLst>
+                <a:gd name="connsiteX0" fmla="*/ 371090 w 698627"/>
+                <a:gd name="connsiteY0" fmla="*/ 482276 h 681465"/>
+                <a:gd name="connsiteX1" fmla="*/ 664996 w 698627"/>
+                <a:gd name="connsiteY1" fmla="*/ 418108 h 681465"/>
+                <a:gd name="connsiteX2" fmla="*/ 590969 w 698627"/>
+                <a:gd name="connsiteY2" fmla="*/ 72481 h 681465"/>
+                <a:gd name="connsiteX3" fmla="*/ 130868 w 698627"/>
+                <a:gd name="connsiteY3" fmla="*/ 99771 h 681465"/>
+                <a:gd name="connsiteX4" fmla="*/ 37904 w 698627"/>
+                <a:gd name="connsiteY4" fmla="*/ 594084 h 681465"/>
+                <a:gd name="connsiteX5" fmla="*/ 37948 w 698627"/>
+                <a:gd name="connsiteY5" fmla="*/ 594087 h 681465"/>
+                <a:gd name="connsiteX6" fmla="*/ 98676 w 698627"/>
+                <a:gd name="connsiteY6" fmla="*/ 661869 h 681465"/>
+                <a:gd name="connsiteX7" fmla="*/ 298185 w 698627"/>
+                <a:gd name="connsiteY7" fmla="*/ 608478 h 681465"/>
+                <a:gd name="connsiteX8" fmla="*/ 298227 w 698627"/>
+                <a:gd name="connsiteY8" fmla="*/ 608480 h 681465"/>
+                <a:gd name="connsiteX9" fmla="*/ 371090 w 698627"/>
+                <a:gd name="connsiteY9" fmla="*/ 482276 h 681465"/>
+              </a:gdLst>
+              <a:ahLst/>
+              <a:cxnLst>
+                <a:cxn ang="0">
+                  <a:pos x="connsiteX0" y="connsiteY0"/>
+                </a:cxn>
+                <a:cxn ang="0">
+                  <a:pos x="connsiteX1" y="connsiteY1"/>
+                </a:cxn>
+                <a:cxn ang="0">
+                  <a:pos x="connsiteX2" y="connsiteY2"/>
+                </a:cxn>
+                <a:cxn ang="0">
+                  <a:pos x="connsiteX3" y="connsiteY3"/>
+                </a:cxn>
+                <a:cxn ang="0">
+                  <a:pos x="connsiteX4" y="connsiteY4"/>
+                </a:cxn>
+                <a:cxn ang="0">
+                  <a:pos x="connsiteX5" y="connsiteY5"/>
+                </a:cxn>
+                <a:cxn ang="0">
+                  <a:pos x="connsiteX6" y="connsiteY6"/>
+                </a:cxn>
+                <a:cxn ang="0">
+                  <a:pos x="connsiteX7" y="connsiteY7"/>
+                </a:cxn>
+                <a:cxn ang="0">
+                  <a:pos x="connsiteX8" y="connsiteY8"/>
+                </a:cxn>
+                <a:cxn ang="0">
+                  <a:pos x="connsiteX9" y="connsiteY9"/>
+                </a:cxn>
+              </a:cxnLst>
+              <a:rect l="l" t="t" r="r" b="b"/>
+              <a:pathLst>
+                <a:path w="698627" h="681465">
+                  <a:moveTo>
+                    <a:pt x="371090" y="482276"/>
+                  </a:moveTo>
+                  <a:cubicBezTo>
+                    <a:pt x="493215" y="552785"/>
+                    <a:pt x="602945" y="525585"/>
+                    <a:pt x="664996" y="418108"/>
+                  </a:cubicBezTo>
+                  <a:cubicBezTo>
+                    <a:pt x="727049" y="310631"/>
+                    <a:pt x="703719" y="164076"/>
+                    <a:pt x="590969" y="72481"/>
+                  </a:cubicBezTo>
+                  <a:cubicBezTo>
+                    <a:pt x="467173" y="-28089"/>
+                    <a:pt x="273610" y="-28540"/>
+                    <a:pt x="130868" y="99771"/>
+                  </a:cubicBezTo>
+                  <a:cubicBezTo>
+                    <a:pt x="2647" y="215031"/>
+                    <a:pt x="-37466" y="418108"/>
+                    <a:pt x="37904" y="594084"/>
+                  </a:cubicBezTo>
+                  <a:lnTo>
+                    <a:pt x="37948" y="594087"/>
+                  </a:lnTo>
+                  <a:cubicBezTo>
+                    <a:pt x="50010" y="621620"/>
+                    <a:pt x="70647" y="645688"/>
+                    <a:pt x="98676" y="661869"/>
+                  </a:cubicBezTo>
+                  <a:cubicBezTo>
+                    <a:pt x="168521" y="702195"/>
+                    <a:pt x="257823" y="678288"/>
+                    <a:pt x="298185" y="608478"/>
+                  </a:cubicBezTo>
+                  <a:lnTo>
+                    <a:pt x="298227" y="608480"/>
+                  </a:lnTo>
+                  <a:lnTo>
+                    <a:pt x="371090" y="482276"/>
+                  </a:lnTo>
+                  <a:close/>
+                </a:path>
+              </a:pathLst>
+            </a:custGeom>
+            <a:solidFill>
+              <a:srgbClr val="096738"/>
+            </a:solidFill>
+            <a:ln w="9327" cap="flat">
+              <a:noFill/>
+              <a:prstDash val="solid"/>
+              <a:miter/>
+            </a:ln>
+          </p:spPr>
+          <p:txBody>
+            <a:bodyPr rtlCol="0" anchor="ctr"/>
+            <a:lstStyle/>
+            <a:p>
+              <a:pPr defTabSz="914367"/>
+              <a:endParaRPr lang="en-US" sz="1765">
+                <a:solidFill>
+                  <a:prstClr val="black"/>
+                </a:solidFill>
+                <a:latin typeface="Calibri" panose="020F0502020204030204"/>
+              </a:endParaRPr>
+            </a:p>
+          </p:txBody>
+        </p:sp>
+        <p:sp>
+          <p:nvSpPr>
+            <p:cNvPr id="16" name="Freeform: Shape 15">
+              <a:extLst>
+                <a:ext uri="{FF2B5EF4-FFF2-40B4-BE49-F238E27FC236}">
+                  <a16:creationId xmlns:a16="http://schemas.microsoft.com/office/drawing/2014/main" id="{B343ABB9-00EC-81A5-0190-AA938516E6FE}"/>
+                </a:ext>
+              </a:extLst>
+            </p:cNvPr>
+            <p:cNvSpPr/>
+            <p:nvPr/>
+          </p:nvSpPr>
+          <p:spPr>
+            <a:xfrm>
+              <a:off x="6752328" y="1587055"/>
+              <a:ext cx="698627" cy="681472"/>
+            </a:xfrm>
+            <a:custGeom>
+              <a:avLst/>
+              <a:gdLst>
+                <a:gd name="connsiteX0" fmla="*/ 661052 w 698627"/>
+                <a:gd name="connsiteY0" fmla="*/ 88231 h 681472"/>
+                <a:gd name="connsiteX1" fmla="*/ 661085 w 698627"/>
+                <a:gd name="connsiteY1" fmla="*/ 88233 h 681472"/>
+                <a:gd name="connsiteX2" fmla="*/ 567760 w 698627"/>
+                <a:gd name="connsiteY2" fmla="*/ 581701 h 681472"/>
+                <a:gd name="connsiteX3" fmla="*/ 107659 w 698627"/>
+                <a:gd name="connsiteY3" fmla="*/ 608992 h 681472"/>
+                <a:gd name="connsiteX4" fmla="*/ 33631 w 698627"/>
+                <a:gd name="connsiteY4" fmla="*/ 263365 h 681472"/>
+                <a:gd name="connsiteX5" fmla="*/ 327538 w 698627"/>
+                <a:gd name="connsiteY5" fmla="*/ 199196 h 681472"/>
+                <a:gd name="connsiteX6" fmla="*/ 400368 w 698627"/>
+                <a:gd name="connsiteY6" fmla="*/ 73049 h 681472"/>
+                <a:gd name="connsiteX7" fmla="*/ 400409 w 698627"/>
+                <a:gd name="connsiteY7" fmla="*/ 73052 h 681472"/>
+                <a:gd name="connsiteX8" fmla="*/ 599955 w 698627"/>
+                <a:gd name="connsiteY8" fmla="*/ 19596 h 681472"/>
+                <a:gd name="connsiteX9" fmla="*/ 661052 w 698627"/>
+                <a:gd name="connsiteY9" fmla="*/ 88231 h 681472"/>
+              </a:gdLst>
+              <a:ahLst/>
+              <a:cxnLst>
+                <a:cxn ang="0">
+                  <a:pos x="connsiteX0" y="connsiteY0"/>
+                </a:cxn>
+                <a:cxn ang="0">
+                  <a:pos x="connsiteX1" y="connsiteY1"/>
+                </a:cxn>
+                <a:cxn ang="0">
+                  <a:pos x="connsiteX2" y="connsiteY2"/>
+                </a:cxn>
+                <a:cxn ang="0">
+                  <a:pos x="connsiteX3" y="connsiteY3"/>
+                </a:cxn>
+                <a:cxn ang="0">
+                  <a:pos x="connsiteX4" y="connsiteY4"/>
+                </a:cxn>
+                <a:cxn ang="0">
+                  <a:pos x="connsiteX5" y="connsiteY5"/>
+                </a:cxn>
+                <a:cxn ang="0">
+                  <a:pos x="connsiteX6" y="connsiteY6"/>
+                </a:cxn>
+                <a:cxn ang="0">
+                  <a:pos x="connsiteX7" y="connsiteY7"/>
+                </a:cxn>
+                <a:cxn ang="0">
+                  <a:pos x="connsiteX8" y="connsiteY8"/>
+                </a:cxn>
+                <a:cxn ang="0">
+                  <a:pos x="connsiteX9" y="connsiteY9"/>
+                </a:cxn>
+              </a:cxnLst>
+              <a:rect l="l" t="t" r="r" b="b"/>
+              <a:pathLst>
+                <a:path w="698627" h="681472">
+                  <a:moveTo>
+                    <a:pt x="661052" y="88231"/>
+                  </a:moveTo>
+                  <a:lnTo>
+                    <a:pt x="661085" y="88233"/>
+                  </a:lnTo>
+                  <a:cubicBezTo>
+                    <a:pt x="735965" y="264014"/>
+                    <a:pt x="695776" y="466626"/>
+                    <a:pt x="567760" y="581701"/>
+                  </a:cubicBezTo>
+                  <a:cubicBezTo>
+                    <a:pt x="425018" y="710013"/>
+                    <a:pt x="231455" y="709562"/>
+                    <a:pt x="107659" y="608992"/>
+                  </a:cubicBezTo>
+                  <a:cubicBezTo>
+                    <a:pt x="-5091" y="517397"/>
+                    <a:pt x="-28421" y="370842"/>
+                    <a:pt x="33631" y="263365"/>
+                  </a:cubicBezTo>
+                  <a:cubicBezTo>
+                    <a:pt x="95683" y="155888"/>
+                    <a:pt x="205413" y="128687"/>
+                    <a:pt x="327538" y="199196"/>
+                  </a:cubicBezTo>
+                  <a:lnTo>
+                    <a:pt x="400368" y="73049"/>
+                  </a:lnTo>
+                  <a:lnTo>
+                    <a:pt x="400409" y="73052"/>
+                  </a:lnTo>
+                  <a:cubicBezTo>
+                    <a:pt x="440753" y="3192"/>
+                    <a:pt x="530088" y="-20741"/>
+                    <a:pt x="599955" y="19596"/>
+                  </a:cubicBezTo>
+                  <a:cubicBezTo>
+                    <a:pt x="628272" y="35944"/>
+                    <a:pt x="649045" y="60343"/>
+                    <a:pt x="661052" y="88231"/>
+                  </a:cubicBezTo>
+                  <a:close/>
+                </a:path>
+              </a:pathLst>
+            </a:custGeom>
+            <a:solidFill>
+              <a:srgbClr val="4ED062"/>
+            </a:solidFill>
+            <a:ln w="9327" cap="flat">
+              <a:noFill/>
+              <a:prstDash val="solid"/>
+              <a:miter/>
+            </a:ln>
+          </p:spPr>
+          <p:txBody>
+            <a:bodyPr rtlCol="0" anchor="ctr"/>
+            <a:lstStyle/>
+            <a:p>
+              <a:pPr defTabSz="914367"/>
+              <a:endParaRPr lang="en-US" sz="1765">
+                <a:solidFill>
+                  <a:prstClr val="black"/>
+                </a:solidFill>
+                <a:latin typeface="Calibri" panose="020F0502020204030204"/>
+              </a:endParaRPr>
+            </a:p>
+          </p:txBody>
+        </p:sp>
+        <p:sp>
+          <p:nvSpPr>
+            <p:cNvPr id="17" name="Freeform: Shape 16">
+              <a:extLst>
+                <a:ext uri="{FF2B5EF4-FFF2-40B4-BE49-F238E27FC236}">
+                  <a16:creationId xmlns:a16="http://schemas.microsoft.com/office/drawing/2014/main" id="{56EB3D87-C763-6F38-A387-6B151F29DB3D}"/>
+                </a:ext>
+              </a:extLst>
+            </p:cNvPr>
+            <p:cNvSpPr/>
+            <p:nvPr/>
+          </p:nvSpPr>
+          <p:spPr>
+            <a:xfrm>
+              <a:off x="6752364" y="1660123"/>
+              <a:ext cx="496872" cy="526438"/>
+            </a:xfrm>
+            <a:custGeom>
+              <a:avLst/>
+              <a:gdLst>
+                <a:gd name="connsiteX0" fmla="*/ 327538 w 496872"/>
+                <a:gd name="connsiteY0" fmla="*/ 126135 h 526438"/>
+                <a:gd name="connsiteX1" fmla="*/ 33631 w 496872"/>
+                <a:gd name="connsiteY1" fmla="*/ 190304 h 526438"/>
+                <a:gd name="connsiteX2" fmla="*/ 96510 w 496872"/>
+                <a:gd name="connsiteY2" fmla="*/ 526438 h 526438"/>
+                <a:gd name="connsiteX3" fmla="*/ 169334 w 496872"/>
+                <a:gd name="connsiteY3" fmla="*/ 400303 h 526438"/>
+                <a:gd name="connsiteX4" fmla="*/ 463241 w 496872"/>
+                <a:gd name="connsiteY4" fmla="*/ 336135 h 526438"/>
+                <a:gd name="connsiteX5" fmla="*/ 400362 w 496872"/>
+                <a:gd name="connsiteY5" fmla="*/ 0 h 526438"/>
+                <a:gd name="connsiteX6" fmla="*/ 327538 w 496872"/>
+                <a:gd name="connsiteY6" fmla="*/ 126135 h 526438"/>
+              </a:gdLst>
+              <a:ahLst/>
+              <a:cxnLst>
+                <a:cxn ang="0">
+                  <a:pos x="connsiteX0" y="connsiteY0"/>
+                </a:cxn>
+                <a:cxn ang="0">
+                  <a:pos x="connsiteX1" y="connsiteY1"/>
+                </a:cxn>
+                <a:cxn ang="0">
+                  <a:pos x="connsiteX2" y="connsiteY2"/>
+                </a:cxn>
+                <a:cxn ang="0">
+                  <a:pos x="connsiteX3" y="connsiteY3"/>
+                </a:cxn>
+                <a:cxn ang="0">
+                  <a:pos x="connsiteX4" y="connsiteY4"/>
+                </a:cxn>
+                <a:cxn ang="0">
+                  <a:pos x="connsiteX5" y="connsiteY5"/>
+                </a:cxn>
+                <a:cxn ang="0">
+                  <a:pos x="connsiteX6" y="connsiteY6"/>
+                </a:cxn>
+              </a:cxnLst>
+              <a:rect l="l" t="t" r="r" b="b"/>
+              <a:pathLst>
+                <a:path w="496872" h="526438">
+                  <a:moveTo>
+                    <a:pt x="327538" y="126135"/>
+                  </a:moveTo>
+                  <a:cubicBezTo>
+                    <a:pt x="205413" y="55627"/>
+                    <a:pt x="95684" y="82827"/>
+                    <a:pt x="33631" y="190304"/>
+                  </a:cubicBezTo>
+                  <a:cubicBezTo>
+                    <a:pt x="-26319" y="294141"/>
+                    <a:pt x="-6573" y="434453"/>
+                    <a:pt x="96510" y="526438"/>
+                  </a:cubicBezTo>
+                  <a:lnTo>
+                    <a:pt x="169334" y="400303"/>
+                  </a:lnTo>
+                  <a:cubicBezTo>
+                    <a:pt x="291459" y="470812"/>
+                    <a:pt x="401189" y="443612"/>
+                    <a:pt x="463241" y="336135"/>
+                  </a:cubicBezTo>
+                  <a:cubicBezTo>
+                    <a:pt x="523191" y="232297"/>
+                    <a:pt x="503445" y="91987"/>
+                    <a:pt x="400362" y="0"/>
+                  </a:cubicBezTo>
+                  <a:lnTo>
+                    <a:pt x="327538" y="126135"/>
+                  </a:lnTo>
+                  <a:close/>
+                </a:path>
+              </a:pathLst>
+            </a:custGeom>
+            <a:solidFill>
+              <a:srgbClr val="088142"/>
+            </a:solidFill>
+            <a:ln w="9327" cap="flat">
+              <a:noFill/>
+              <a:prstDash val="solid"/>
+              <a:miter/>
+            </a:ln>
+          </p:spPr>
+          <p:txBody>
+            <a:bodyPr rtlCol="0" anchor="ctr"/>
+            <a:lstStyle/>
+            <a:p>
+              <a:pPr defTabSz="914367"/>
+              <a:endParaRPr lang="en-US" sz="1765">
+                <a:solidFill>
+                  <a:prstClr val="black"/>
+                </a:solidFill>
+                <a:latin typeface="Calibri" panose="020F0502020204030204"/>
+              </a:endParaRPr>
+            </a:p>
+          </p:txBody>
+        </p:sp>
+        <p:sp>
+          <p:nvSpPr>
+            <p:cNvPr id="18" name="Freeform: Shape 17">
+              <a:extLst>
+                <a:ext uri="{FF2B5EF4-FFF2-40B4-BE49-F238E27FC236}">
+                  <a16:creationId xmlns:a16="http://schemas.microsoft.com/office/drawing/2014/main" id="{DE685767-54A5-3DD1-7777-C58DAE64CAB5}"/>
+                </a:ext>
+              </a:extLst>
+            </p:cNvPr>
+            <p:cNvSpPr/>
+            <p:nvPr/>
+          </p:nvSpPr>
+          <p:spPr>
+            <a:xfrm>
+              <a:off x="6842508" y="1768784"/>
+              <a:ext cx="316616" cy="316615"/>
+            </a:xfrm>
+            <a:custGeom>
+              <a:avLst/>
+              <a:gdLst>
+                <a:gd name="connsiteX0" fmla="*/ 295384 w 316616"/>
+                <a:gd name="connsiteY0" fmla="*/ 237449 h 316615"/>
+                <a:gd name="connsiteX1" fmla="*/ 79168 w 316616"/>
+                <a:gd name="connsiteY1" fmla="*/ 295383 h 316615"/>
+                <a:gd name="connsiteX2" fmla="*/ 21232 w 316616"/>
+                <a:gd name="connsiteY2" fmla="*/ 79167 h 316615"/>
+                <a:gd name="connsiteX3" fmla="*/ 237449 w 316616"/>
+                <a:gd name="connsiteY3" fmla="*/ 21232 h 316615"/>
+                <a:gd name="connsiteX4" fmla="*/ 295384 w 316616"/>
+                <a:gd name="connsiteY4" fmla="*/ 237449 h 316615"/>
+              </a:gdLst>
+              <a:ahLst/>
+              <a:cxnLst>
+                <a:cxn ang="0">
+                  <a:pos x="connsiteX0" y="connsiteY0"/>
+                </a:cxn>
+                <a:cxn ang="0">
+                  <a:pos x="connsiteX1" y="connsiteY1"/>
+                </a:cxn>
+                <a:cxn ang="0">
+                  <a:pos x="connsiteX2" y="connsiteY2"/>
+                </a:cxn>
+                <a:cxn ang="0">
+                  <a:pos x="connsiteX3" y="connsiteY3"/>
+                </a:cxn>
+                <a:cxn ang="0">
+                  <a:pos x="connsiteX4" y="connsiteY4"/>
+                </a:cxn>
+              </a:cxnLst>
+              <a:rect l="l" t="t" r="r" b="b"/>
+              <a:pathLst>
+                <a:path w="316616" h="316615">
+                  <a:moveTo>
+                    <a:pt x="295384" y="237449"/>
+                  </a:moveTo>
+                  <a:cubicBezTo>
+                    <a:pt x="251676" y="313154"/>
+                    <a:pt x="154873" y="339091"/>
+                    <a:pt x="79168" y="295383"/>
+                  </a:cubicBezTo>
+                  <a:cubicBezTo>
+                    <a:pt x="3463" y="251675"/>
+                    <a:pt x="-22476" y="154872"/>
+                    <a:pt x="21232" y="79167"/>
+                  </a:cubicBezTo>
+                  <a:cubicBezTo>
+                    <a:pt x="64941" y="3463"/>
+                    <a:pt x="161744" y="-22476"/>
+                    <a:pt x="237449" y="21232"/>
+                  </a:cubicBezTo>
+                  <a:cubicBezTo>
+                    <a:pt x="313154" y="64940"/>
+                    <a:pt x="339092" y="161744"/>
+                    <a:pt x="295384" y="237449"/>
+                  </a:cubicBezTo>
+                  <a:close/>
+                </a:path>
+              </a:pathLst>
+            </a:custGeom>
+            <a:solidFill>
+              <a:srgbClr val="000000">
+                <a:alpha val="24000"/>
+              </a:srgbClr>
+            </a:solidFill>
+            <a:ln w="9327" cap="flat">
+              <a:noFill/>
+              <a:prstDash val="solid"/>
+              <a:miter/>
+            </a:ln>
+          </p:spPr>
+          <p:txBody>
+            <a:bodyPr rtlCol="0" anchor="ctr"/>
+            <a:lstStyle/>
+            <a:p>
+              <a:pPr defTabSz="914367"/>
+              <a:endParaRPr lang="en-US" sz="1765">
+                <a:solidFill>
+                  <a:prstClr val="black"/>
+                </a:solidFill>
+                <a:latin typeface="Calibri" panose="020F0502020204030204"/>
+              </a:endParaRPr>
+            </a:p>
+          </p:txBody>
+        </p:sp>
+        <p:sp>
+          <p:nvSpPr>
+            <p:cNvPr id="19" name="Freeform: Shape 18">
+              <a:extLst>
+                <a:ext uri="{FF2B5EF4-FFF2-40B4-BE49-F238E27FC236}">
+                  <a16:creationId xmlns:a16="http://schemas.microsoft.com/office/drawing/2014/main" id="{B6745BE9-EFE9-32C5-1ACE-6BB1D59F18F0}"/>
+                </a:ext>
+              </a:extLst>
+            </p:cNvPr>
+            <p:cNvSpPr/>
+            <p:nvPr/>
+          </p:nvSpPr>
+          <p:spPr>
+            <a:xfrm>
+              <a:off x="6842508" y="1783783"/>
+              <a:ext cx="316616" cy="316615"/>
+            </a:xfrm>
+            <a:custGeom>
+              <a:avLst/>
+              <a:gdLst>
+                <a:gd name="connsiteX0" fmla="*/ 295384 w 316616"/>
+                <a:gd name="connsiteY0" fmla="*/ 237449 h 316615"/>
+                <a:gd name="connsiteX1" fmla="*/ 79168 w 316616"/>
+                <a:gd name="connsiteY1" fmla="*/ 295383 h 316615"/>
+                <a:gd name="connsiteX2" fmla="*/ 21232 w 316616"/>
+                <a:gd name="connsiteY2" fmla="*/ 79167 h 316615"/>
+                <a:gd name="connsiteX3" fmla="*/ 237449 w 316616"/>
+                <a:gd name="connsiteY3" fmla="*/ 21232 h 316615"/>
+                <a:gd name="connsiteX4" fmla="*/ 295384 w 316616"/>
+                <a:gd name="connsiteY4" fmla="*/ 237449 h 316615"/>
+              </a:gdLst>
+              <a:ahLst/>
+              <a:cxnLst>
+                <a:cxn ang="0">
+                  <a:pos x="connsiteX0" y="connsiteY0"/>
+                </a:cxn>
+                <a:cxn ang="0">
+                  <a:pos x="connsiteX1" y="connsiteY1"/>
+                </a:cxn>
+                <a:cxn ang="0">
+                  <a:pos x="connsiteX2" y="connsiteY2"/>
+                </a:cxn>
+                <a:cxn ang="0">
+                  <a:pos x="connsiteX3" y="connsiteY3"/>
+                </a:cxn>
+                <a:cxn ang="0">
+                  <a:pos x="connsiteX4" y="connsiteY4"/>
+                </a:cxn>
+              </a:cxnLst>
+              <a:rect l="l" t="t" r="r" b="b"/>
+              <a:pathLst>
+                <a:path w="316616" h="316615">
+                  <a:moveTo>
+                    <a:pt x="295384" y="237449"/>
+                  </a:moveTo>
+                  <a:cubicBezTo>
+                    <a:pt x="251676" y="313153"/>
+                    <a:pt x="154873" y="339092"/>
+                    <a:pt x="79168" y="295383"/>
+                  </a:cubicBezTo>
+                  <a:cubicBezTo>
+                    <a:pt x="3463" y="251675"/>
+                    <a:pt x="-22476" y="154872"/>
+                    <a:pt x="21232" y="79167"/>
+                  </a:cubicBezTo>
+                  <a:cubicBezTo>
+                    <a:pt x="64941" y="3462"/>
+                    <a:pt x="161744" y="-22476"/>
+                    <a:pt x="237449" y="21232"/>
+                  </a:cubicBezTo>
+                  <a:cubicBezTo>
+                    <a:pt x="313154" y="64940"/>
+                    <a:pt x="339092" y="161744"/>
+                    <a:pt x="295384" y="237449"/>
+                  </a:cubicBezTo>
+                  <a:close/>
+                </a:path>
+              </a:pathLst>
+            </a:custGeom>
+            <a:solidFill>
+              <a:srgbClr val="000000">
+                <a:alpha val="32000"/>
+              </a:srgbClr>
+            </a:solidFill>
+            <a:ln w="9327" cap="flat">
+              <a:noFill/>
+              <a:prstDash val="solid"/>
+              <a:miter/>
+            </a:ln>
+          </p:spPr>
+          <p:txBody>
+            <a:bodyPr rtlCol="0" anchor="ctr"/>
+            <a:lstStyle/>
+            <a:p>
+              <a:pPr defTabSz="914367"/>
+              <a:endParaRPr lang="en-US" sz="1765">
+                <a:solidFill>
+                  <a:prstClr val="black"/>
+                </a:solidFill>
+                <a:latin typeface="Calibri" panose="020F0502020204030204"/>
+              </a:endParaRPr>
+            </a:p>
+          </p:txBody>
+        </p:sp>
+        <p:sp>
+          <p:nvSpPr>
+            <p:cNvPr id="20" name="Freeform: Shape 19">
+              <a:extLst>
+                <a:ext uri="{FF2B5EF4-FFF2-40B4-BE49-F238E27FC236}">
+                  <a16:creationId xmlns:a16="http://schemas.microsoft.com/office/drawing/2014/main" id="{5B02383C-940A-69CD-B06A-48490E79E792}"/>
+                </a:ext>
+              </a:extLst>
+            </p:cNvPr>
+            <p:cNvSpPr/>
+            <p:nvPr/>
+          </p:nvSpPr>
+          <p:spPr>
+            <a:xfrm>
+              <a:off x="6842508" y="1765033"/>
+              <a:ext cx="316616" cy="316615"/>
+            </a:xfrm>
+            <a:custGeom>
+              <a:avLst/>
+              <a:gdLst>
+                <a:gd name="connsiteX0" fmla="*/ 295384 w 316616"/>
+                <a:gd name="connsiteY0" fmla="*/ 237449 h 316615"/>
+                <a:gd name="connsiteX1" fmla="*/ 79168 w 316616"/>
+                <a:gd name="connsiteY1" fmla="*/ 295383 h 316615"/>
+                <a:gd name="connsiteX2" fmla="*/ 21232 w 316616"/>
+                <a:gd name="connsiteY2" fmla="*/ 79167 h 316615"/>
+                <a:gd name="connsiteX3" fmla="*/ 237449 w 316616"/>
+                <a:gd name="connsiteY3" fmla="*/ 21232 h 316615"/>
+                <a:gd name="connsiteX4" fmla="*/ 295384 w 316616"/>
+                <a:gd name="connsiteY4" fmla="*/ 237449 h 316615"/>
+              </a:gdLst>
+              <a:ahLst/>
+              <a:cxnLst>
+                <a:cxn ang="0">
+                  <a:pos x="connsiteX0" y="connsiteY0"/>
+                </a:cxn>
+                <a:cxn ang="0">
+                  <a:pos x="connsiteX1" y="connsiteY1"/>
+                </a:cxn>
+                <a:cxn ang="0">
+                  <a:pos x="connsiteX2" y="connsiteY2"/>
+                </a:cxn>
+                <a:cxn ang="0">
+                  <a:pos x="connsiteX3" y="connsiteY3"/>
+                </a:cxn>
+                <a:cxn ang="0">
+                  <a:pos x="connsiteX4" y="connsiteY4"/>
+                </a:cxn>
+              </a:cxnLst>
+              <a:rect l="l" t="t" r="r" b="b"/>
+              <a:pathLst>
+                <a:path w="316616" h="316615">
+                  <a:moveTo>
+                    <a:pt x="295384" y="237449"/>
+                  </a:moveTo>
+                  <a:cubicBezTo>
+                    <a:pt x="251675" y="313153"/>
+                    <a:pt x="154873" y="339092"/>
+                    <a:pt x="79168" y="295383"/>
+                  </a:cubicBezTo>
+                  <a:cubicBezTo>
+                    <a:pt x="3463" y="251675"/>
+                    <a:pt x="-22476" y="154872"/>
+                    <a:pt x="21232" y="79167"/>
+                  </a:cubicBezTo>
+                  <a:cubicBezTo>
+                    <a:pt x="64941" y="3462"/>
+                    <a:pt x="161744" y="-22476"/>
+                    <a:pt x="237449" y="21232"/>
+                  </a:cubicBezTo>
+                  <a:cubicBezTo>
+                    <a:pt x="313154" y="64940"/>
+                    <a:pt x="339092" y="161744"/>
+                    <a:pt x="295384" y="237449"/>
+                  </a:cubicBezTo>
+                  <a:close/>
+                </a:path>
+              </a:pathLst>
+            </a:custGeom>
+            <a:solidFill>
+              <a:srgbClr val="66EB6E"/>
+            </a:solidFill>
+            <a:ln w="9327" cap="flat">
+              <a:noFill/>
+              <a:prstDash val="solid"/>
+              <a:miter/>
+            </a:ln>
+          </p:spPr>
+          <p:txBody>
+            <a:bodyPr rtlCol="0" anchor="ctr"/>
+            <a:lstStyle/>
+            <a:p>
+              <a:pPr defTabSz="914367"/>
+              <a:endParaRPr lang="en-US" sz="1765">
+                <a:solidFill>
+                  <a:prstClr val="black"/>
+                </a:solidFill>
+                <a:latin typeface="Calibri" panose="020F0502020204030204"/>
+              </a:endParaRPr>
+            </a:p>
+          </p:txBody>
+        </p:sp>
+      </p:grpSp>
     </p:spTree>
     <p:extLst>
       <p:ext uri="{BB962C8B-B14F-4D97-AF65-F5344CB8AC3E}">
@@ -18129,7 +19625,7 @@
                   <a:schemeClr val="tx1"/>
                 </a:solidFill>
               </a:rPr>
-              <a:t>Everything from “none”, to unmanageable </a:t>
+              <a:t>Everything from “none” to unmanageable </a:t>
             </a:r>
           </a:p>
         </p:txBody>
